--- a/imgs/profile picture.pptx
+++ b/imgs/profile picture.pptx
@@ -9,7 +9,8 @@
     <p:sldId id="257" r:id="rId3"/>
     <p:sldId id="258" r:id="rId4"/>
     <p:sldId id="260" r:id="rId5"/>
-    <p:sldId id="259" r:id="rId6"/>
+    <p:sldId id="261" r:id="rId6"/>
+    <p:sldId id="259" r:id="rId7"/>
   </p:sldIdLst>
   <p:sldSz cx="12192000" cy="6858000"/>
   <p:notesSz cx="6858000" cy="9144000"/>
@@ -265,7 +266,7 @@
           <a:p>
             <a:fld id="{27D44583-3B00-4720-B778-33EC86E10074}" type="datetimeFigureOut">
               <a:rPr lang="en-IE" smtClean="0"/>
-              <a:t>18 Mar 21</a:t>
+              <a:t>29 Mar 21</a:t>
             </a:fld>
             <a:endParaRPr lang="en-IE"/>
           </a:p>
@@ -465,7 +466,7 @@
           <a:p>
             <a:fld id="{27D44583-3B00-4720-B778-33EC86E10074}" type="datetimeFigureOut">
               <a:rPr lang="en-IE" smtClean="0"/>
-              <a:t>18 Mar 21</a:t>
+              <a:t>29 Mar 21</a:t>
             </a:fld>
             <a:endParaRPr lang="en-IE"/>
           </a:p>
@@ -675,7 +676,7 @@
           <a:p>
             <a:fld id="{27D44583-3B00-4720-B778-33EC86E10074}" type="datetimeFigureOut">
               <a:rPr lang="en-IE" smtClean="0"/>
-              <a:t>18 Mar 21</a:t>
+              <a:t>29 Mar 21</a:t>
             </a:fld>
             <a:endParaRPr lang="en-IE"/>
           </a:p>
@@ -875,7 +876,7 @@
           <a:p>
             <a:fld id="{27D44583-3B00-4720-B778-33EC86E10074}" type="datetimeFigureOut">
               <a:rPr lang="en-IE" smtClean="0"/>
-              <a:t>18 Mar 21</a:t>
+              <a:t>29 Mar 21</a:t>
             </a:fld>
             <a:endParaRPr lang="en-IE"/>
           </a:p>
@@ -1151,7 +1152,7 @@
           <a:p>
             <a:fld id="{27D44583-3B00-4720-B778-33EC86E10074}" type="datetimeFigureOut">
               <a:rPr lang="en-IE" smtClean="0"/>
-              <a:t>18 Mar 21</a:t>
+              <a:t>29 Mar 21</a:t>
             </a:fld>
             <a:endParaRPr lang="en-IE"/>
           </a:p>
@@ -1419,7 +1420,7 @@
           <a:p>
             <a:fld id="{27D44583-3B00-4720-B778-33EC86E10074}" type="datetimeFigureOut">
               <a:rPr lang="en-IE" smtClean="0"/>
-              <a:t>18 Mar 21</a:t>
+              <a:t>29 Mar 21</a:t>
             </a:fld>
             <a:endParaRPr lang="en-IE"/>
           </a:p>
@@ -1834,7 +1835,7 @@
           <a:p>
             <a:fld id="{27D44583-3B00-4720-B778-33EC86E10074}" type="datetimeFigureOut">
               <a:rPr lang="en-IE" smtClean="0"/>
-              <a:t>18 Mar 21</a:t>
+              <a:t>29 Mar 21</a:t>
             </a:fld>
             <a:endParaRPr lang="en-IE"/>
           </a:p>
@@ -1976,7 +1977,7 @@
           <a:p>
             <a:fld id="{27D44583-3B00-4720-B778-33EC86E10074}" type="datetimeFigureOut">
               <a:rPr lang="en-IE" smtClean="0"/>
-              <a:t>18 Mar 21</a:t>
+              <a:t>29 Mar 21</a:t>
             </a:fld>
             <a:endParaRPr lang="en-IE"/>
           </a:p>
@@ -2089,7 +2090,7 @@
           <a:p>
             <a:fld id="{27D44583-3B00-4720-B778-33EC86E10074}" type="datetimeFigureOut">
               <a:rPr lang="en-IE" smtClean="0"/>
-              <a:t>18 Mar 21</a:t>
+              <a:t>29 Mar 21</a:t>
             </a:fld>
             <a:endParaRPr lang="en-IE"/>
           </a:p>
@@ -2402,7 +2403,7 @@
           <a:p>
             <a:fld id="{27D44583-3B00-4720-B778-33EC86E10074}" type="datetimeFigureOut">
               <a:rPr lang="en-IE" smtClean="0"/>
-              <a:t>18 Mar 21</a:t>
+              <a:t>29 Mar 21</a:t>
             </a:fld>
             <a:endParaRPr lang="en-IE"/>
           </a:p>
@@ -2691,7 +2692,7 @@
           <a:p>
             <a:fld id="{27D44583-3B00-4720-B778-33EC86E10074}" type="datetimeFigureOut">
               <a:rPr lang="en-IE" smtClean="0"/>
-              <a:t>18 Mar 21</a:t>
+              <a:t>29 Mar 21</a:t>
             </a:fld>
             <a:endParaRPr lang="en-IE"/>
           </a:p>
@@ -2934,7 +2935,7 @@
           <a:p>
             <a:fld id="{27D44583-3B00-4720-B778-33EC86E10074}" type="datetimeFigureOut">
               <a:rPr lang="en-IE" smtClean="0"/>
-              <a:t>18 Mar 21</a:t>
+              <a:t>29 Mar 21</a:t>
             </a:fld>
             <a:endParaRPr lang="en-IE"/>
           </a:p>
@@ -3824,8 +3825,43 @@
         </p:blipFill>
         <p:spPr>
           <a:xfrm>
-            <a:off x="3772931" y="659027"/>
+            <a:off x="378941" y="100913"/>
             <a:ext cx="4473148" cy="4497860"/>
+          </a:xfrm>
+          <a:prstGeom prst="ellipse">
+            <a:avLst/>
+          </a:prstGeom>
+        </p:spPr>
+      </p:pic>
+      <p:pic>
+        <p:nvPicPr>
+          <p:cNvPr id="6" name="Picture 5">
+            <a:extLst>
+              <a:ext uri="{FF2B5EF4-FFF2-40B4-BE49-F238E27FC236}">
+                <a16:creationId xmlns:a16="http://schemas.microsoft.com/office/drawing/2014/main" id="{BCE0FBDE-9F6C-4CF3-8904-AAF4F9AFBC67}"/>
+              </a:ext>
+            </a:extLst>
+          </p:cNvPr>
+          <p:cNvPicPr>
+            <a:picLocks noChangeAspect="1"/>
+          </p:cNvPicPr>
+          <p:nvPr/>
+        </p:nvPicPr>
+        <p:blipFill rotWithShape="1">
+          <a:blip r:embed="rId3">
+            <a:extLst>
+              <a:ext uri="{28A0092B-C50C-407E-A947-70E740481C1C}">
+                <a14:useLocalDpi xmlns:a14="http://schemas.microsoft.com/office/drawing/2010/main" val="0"/>
+              </a:ext>
+            </a:extLst>
+          </a:blip>
+          <a:srcRect t="11836" b="13060"/>
+          <a:stretch/>
+        </p:blipFill>
+        <p:spPr>
+          <a:xfrm>
+            <a:off x="6639222" y="100913"/>
+            <a:ext cx="4491749" cy="4497860"/>
           </a:xfrm>
           <a:prstGeom prst="ellipse">
             <a:avLst/>
@@ -3846,6 +3882,106 @@
 </file>
 
 <file path=ppt/slides/slide5.xml><?xml version="1.0" encoding="utf-8"?>
+<p:sld xmlns:a="http://schemas.openxmlformats.org/drawingml/2006/main" xmlns:r="http://schemas.openxmlformats.org/officeDocument/2006/relationships" xmlns:p="http://schemas.openxmlformats.org/presentationml/2006/main">
+  <p:cSld>
+    <p:spTree>
+      <p:nvGrpSpPr>
+        <p:cNvPr id="1" name=""/>
+        <p:cNvGrpSpPr/>
+        <p:nvPr/>
+      </p:nvGrpSpPr>
+      <p:grpSpPr>
+        <a:xfrm>
+          <a:off x="0" y="0"/>
+          <a:ext cx="0" cy="0"/>
+          <a:chOff x="0" y="0"/>
+          <a:chExt cx="0" cy="0"/>
+        </a:xfrm>
+      </p:grpSpPr>
+      <p:pic>
+        <p:nvPicPr>
+          <p:cNvPr id="8" name="Picture 7">
+            <a:extLst>
+              <a:ext uri="{FF2B5EF4-FFF2-40B4-BE49-F238E27FC236}">
+                <a16:creationId xmlns:a16="http://schemas.microsoft.com/office/drawing/2014/main" id="{334CBFF9-D26E-42B6-AA53-929BD6CE7C06}"/>
+              </a:ext>
+            </a:extLst>
+          </p:cNvPr>
+          <p:cNvPicPr>
+            <a:picLocks/>
+          </p:cNvPicPr>
+          <p:nvPr/>
+        </p:nvPicPr>
+        <p:blipFill rotWithShape="1">
+          <a:blip r:embed="rId2">
+            <a:extLst>
+              <a:ext uri="{28A0092B-C50C-407E-A947-70E740481C1C}">
+                <a14:useLocalDpi xmlns:a14="http://schemas.microsoft.com/office/drawing/2010/main" val="0"/>
+              </a:ext>
+            </a:extLst>
+          </a:blip>
+          <a:srcRect l="24672" t="5941" r="24332" b="53287"/>
+          <a:stretch/>
+        </p:blipFill>
+        <p:spPr>
+          <a:xfrm>
+            <a:off x="7536275" y="886408"/>
+            <a:ext cx="4770000" cy="4770000"/>
+          </a:xfrm>
+          <a:prstGeom prst="ellipse">
+            <a:avLst/>
+          </a:prstGeom>
+        </p:spPr>
+      </p:pic>
+      <p:pic>
+        <p:nvPicPr>
+          <p:cNvPr id="10" name="Picture 9">
+            <a:extLst>
+              <a:ext uri="{FF2B5EF4-FFF2-40B4-BE49-F238E27FC236}">
+                <a16:creationId xmlns:a16="http://schemas.microsoft.com/office/drawing/2014/main" id="{E26A8B55-5943-4920-BBCD-4C6F63E5D869}"/>
+              </a:ext>
+            </a:extLst>
+          </p:cNvPr>
+          <p:cNvPicPr>
+            <a:picLocks noChangeAspect="1"/>
+          </p:cNvPicPr>
+          <p:nvPr/>
+        </p:nvPicPr>
+        <p:blipFill rotWithShape="1">
+          <a:blip r:embed="rId3">
+            <a:extLst>
+              <a:ext uri="{28A0092B-C50C-407E-A947-70E740481C1C}">
+                <a14:useLocalDpi xmlns:a14="http://schemas.microsoft.com/office/drawing/2010/main" val="0"/>
+              </a:ext>
+            </a:extLst>
+          </a:blip>
+          <a:srcRect l="21441" t="6240" r="22627" b="51752"/>
+          <a:stretch/>
+        </p:blipFill>
+        <p:spPr>
+          <a:xfrm>
+            <a:off x="855697" y="853751"/>
+            <a:ext cx="5143500" cy="5150498"/>
+          </a:xfrm>
+          <a:prstGeom prst="ellipse">
+            <a:avLst/>
+          </a:prstGeom>
+        </p:spPr>
+      </p:pic>
+    </p:spTree>
+    <p:extLst>
+      <p:ext uri="{BB962C8B-B14F-4D97-AF65-F5344CB8AC3E}">
+        <p14:creationId xmlns:p14="http://schemas.microsoft.com/office/powerpoint/2010/main" val="3554626102"/>
+      </p:ext>
+    </p:extLst>
+  </p:cSld>
+  <p:clrMapOvr>
+    <a:masterClrMapping/>
+  </p:clrMapOvr>
+</p:sld>
+</file>
+
+<file path=ppt/slides/slide6.xml><?xml version="1.0" encoding="utf-8"?>
 <p:sld xmlns:a="http://schemas.openxmlformats.org/drawingml/2006/main" xmlns:r="http://schemas.openxmlformats.org/officeDocument/2006/relationships" xmlns:p="http://schemas.openxmlformats.org/presentationml/2006/main">
   <p:cSld>
     <p:spTree>
